--- a/Semana 6/Taller S6.pptx
+++ b/Semana 6/Taller S6.pptx
@@ -202,7 +202,7 @@
           <a:p>
             <a:fld id="{430AAACB-714D-4ED6-9BCD-E10DE1E326CF}" type="datetimeFigureOut">
               <a:rPr lang="es-CO" smtClean="0"/>
-              <a:t>16/09/20</a:t>
+              <a:t>17/09/20</a:t>
             </a:fld>
             <a:endParaRPr lang="es-CO"/>
           </a:p>
@@ -696,7 +696,7 @@
           <a:p>
             <a:fld id="{C214C790-AC43-4046-BAB7-879940BCF0AB}" type="datetimeFigureOut">
               <a:rPr lang="es-CO" smtClean="0"/>
-              <a:t>16/09/20</a:t>
+              <a:t>17/09/20</a:t>
             </a:fld>
             <a:endParaRPr lang="es-CO"/>
           </a:p>
@@ -904,7 +904,7 @@
           <a:p>
             <a:fld id="{C214C790-AC43-4046-BAB7-879940BCF0AB}" type="datetimeFigureOut">
               <a:rPr lang="es-CO" smtClean="0"/>
-              <a:t>16/09/20</a:t>
+              <a:t>17/09/20</a:t>
             </a:fld>
             <a:endParaRPr lang="es-CO"/>
           </a:p>
@@ -1160,7 +1160,7 @@
           <a:p>
             <a:fld id="{C214C790-AC43-4046-BAB7-879940BCF0AB}" type="datetimeFigureOut">
               <a:rPr lang="es-CO" smtClean="0"/>
-              <a:t>16/09/20</a:t>
+              <a:t>17/09/20</a:t>
             </a:fld>
             <a:endParaRPr lang="es-CO"/>
           </a:p>
@@ -1330,7 +1330,7 @@
           <a:p>
             <a:fld id="{C214C790-AC43-4046-BAB7-879940BCF0AB}" type="datetimeFigureOut">
               <a:rPr lang="es-CO" smtClean="0"/>
-              <a:t>16/09/20</a:t>
+              <a:t>17/09/20</a:t>
             </a:fld>
             <a:endParaRPr lang="es-CO"/>
           </a:p>
@@ -1673,7 +1673,7 @@
           <a:p>
             <a:fld id="{C214C790-AC43-4046-BAB7-879940BCF0AB}" type="datetimeFigureOut">
               <a:rPr lang="es-CO" smtClean="0"/>
-              <a:t>16/09/20</a:t>
+              <a:t>17/09/20</a:t>
             </a:fld>
             <a:endParaRPr lang="es-CO"/>
           </a:p>
@@ -1948,7 +1948,7 @@
           <a:p>
             <a:fld id="{C214C790-AC43-4046-BAB7-879940BCF0AB}" type="datetimeFigureOut">
               <a:rPr lang="es-CO" smtClean="0"/>
-              <a:t>16/09/20</a:t>
+              <a:t>17/09/20</a:t>
             </a:fld>
             <a:endParaRPr lang="es-CO"/>
           </a:p>
@@ -2327,7 +2327,7 @@
           <a:p>
             <a:fld id="{C214C790-AC43-4046-BAB7-879940BCF0AB}" type="datetimeFigureOut">
               <a:rPr lang="es-CO" smtClean="0"/>
-              <a:t>16/09/20</a:t>
+              <a:t>17/09/20</a:t>
             </a:fld>
             <a:endParaRPr lang="es-CO"/>
           </a:p>
@@ -2445,7 +2445,7 @@
           <a:p>
             <a:fld id="{C214C790-AC43-4046-BAB7-879940BCF0AB}" type="datetimeFigureOut">
               <a:rPr lang="es-CO" smtClean="0"/>
-              <a:t>16/09/20</a:t>
+              <a:t>17/09/20</a:t>
             </a:fld>
             <a:endParaRPr lang="es-CO"/>
           </a:p>
@@ -2616,7 +2616,7 @@
           <a:p>
             <a:fld id="{C214C790-AC43-4046-BAB7-879940BCF0AB}" type="datetimeFigureOut">
               <a:rPr lang="es-CO" smtClean="0"/>
-              <a:t>16/09/20</a:t>
+              <a:t>17/09/20</a:t>
             </a:fld>
             <a:endParaRPr lang="es-CO"/>
           </a:p>
@@ -2970,7 +2970,7 @@
           <a:p>
             <a:fld id="{C214C790-AC43-4046-BAB7-879940BCF0AB}" type="datetimeFigureOut">
               <a:rPr lang="es-CO" smtClean="0"/>
-              <a:t>16/09/20</a:t>
+              <a:t>17/09/20</a:t>
             </a:fld>
             <a:endParaRPr lang="es-CO"/>
           </a:p>
@@ -3347,7 +3347,7 @@
           <a:p>
             <a:fld id="{C214C790-AC43-4046-BAB7-879940BCF0AB}" type="datetimeFigureOut">
               <a:rPr lang="es-CO" smtClean="0"/>
-              <a:t>16/09/20</a:t>
+              <a:t>17/09/20</a:t>
             </a:fld>
             <a:endParaRPr lang="es-CO"/>
           </a:p>
@@ -3634,7 +3634,7 @@
           <a:p>
             <a:fld id="{C214C790-AC43-4046-BAB7-879940BCF0AB}" type="datetimeFigureOut">
               <a:rPr lang="es-CO" smtClean="0"/>
-              <a:t>16/09/20</a:t>
+              <a:t>17/09/20</a:t>
             </a:fld>
             <a:endParaRPr lang="es-CO"/>
           </a:p>
@@ -4216,7 +4216,7 @@
             </a:r>
             <a:r>
               <a:rPr lang="es-ES" dirty="0"/>
-              <a:t>8</a:t>
+              <a:t>7</a:t>
             </a:r>
           </a:p>
         </p:txBody>
